--- a/2023/Диплом/Булат Насыров/Презентация Булат.pptx
+++ b/2023/Диплом/Булат Насыров/Презентация Булат.pptx
@@ -9,8 +9,8 @@
     <p:sldId id="257" r:id="rId3"/>
     <p:sldId id="258" r:id="rId4"/>
     <p:sldId id="259" r:id="rId5"/>
-    <p:sldId id="260" r:id="rId6"/>
-    <p:sldId id="263" r:id="rId7"/>
+    <p:sldId id="263" r:id="rId6"/>
+    <p:sldId id="260" r:id="rId7"/>
     <p:sldId id="264" r:id="rId8"/>
     <p:sldId id="265" r:id="rId9"/>
     <p:sldId id="266" r:id="rId10"/>
@@ -269,7 +269,7 @@
           <a:p>
             <a:fld id="{8720104C-3C9D-4B62-9936-5C987D21D7C9}" type="datetimeFigureOut">
               <a:rPr lang="ru-RU" smtClean="0"/>
-              <a:t>15.05.2023</a:t>
+              <a:t>19.05.2023</a:t>
             </a:fld>
             <a:endParaRPr lang="ru-RU"/>
           </a:p>
@@ -566,7 +566,7 @@
           <a:p>
             <a:fld id="{8720104C-3C9D-4B62-9936-5C987D21D7C9}" type="datetimeFigureOut">
               <a:rPr lang="ru-RU" smtClean="0"/>
-              <a:t>15.05.2023</a:t>
+              <a:t>19.05.2023</a:t>
             </a:fld>
             <a:endParaRPr lang="ru-RU"/>
           </a:p>
@@ -776,7 +776,7 @@
           <a:p>
             <a:fld id="{8720104C-3C9D-4B62-9936-5C987D21D7C9}" type="datetimeFigureOut">
               <a:rPr lang="ru-RU" smtClean="0"/>
-              <a:t>15.05.2023</a:t>
+              <a:t>19.05.2023</a:t>
             </a:fld>
             <a:endParaRPr lang="ru-RU"/>
           </a:p>
@@ -1039,7 +1039,7 @@
           <a:p>
             <a:fld id="{8720104C-3C9D-4B62-9936-5C987D21D7C9}" type="datetimeFigureOut">
               <a:rPr lang="ru-RU" smtClean="0"/>
-              <a:t>15.05.2023</a:t>
+              <a:t>19.05.2023</a:t>
             </a:fld>
             <a:endParaRPr lang="ru-RU"/>
           </a:p>
@@ -1227,7 +1227,7 @@
           <a:p>
             <a:fld id="{8720104C-3C9D-4B62-9936-5C987D21D7C9}" type="datetimeFigureOut">
               <a:rPr lang="ru-RU" smtClean="0"/>
-              <a:t>15.05.2023</a:t>
+              <a:t>19.05.2023</a:t>
             </a:fld>
             <a:endParaRPr lang="ru-RU"/>
           </a:p>
@@ -1503,7 +1503,7 @@
           <a:p>
             <a:fld id="{8720104C-3C9D-4B62-9936-5C987D21D7C9}" type="datetimeFigureOut">
               <a:rPr lang="ru-RU" smtClean="0"/>
-              <a:t>15.05.2023</a:t>
+              <a:t>19.05.2023</a:t>
             </a:fld>
             <a:endParaRPr lang="ru-RU"/>
           </a:p>
@@ -1771,7 +1771,7 @@
           <a:p>
             <a:fld id="{8720104C-3C9D-4B62-9936-5C987D21D7C9}" type="datetimeFigureOut">
               <a:rPr lang="ru-RU" smtClean="0"/>
-              <a:t>15.05.2023</a:t>
+              <a:t>19.05.2023</a:t>
             </a:fld>
             <a:endParaRPr lang="ru-RU"/>
           </a:p>
@@ -2186,7 +2186,7 @@
           <a:p>
             <a:fld id="{8720104C-3C9D-4B62-9936-5C987D21D7C9}" type="datetimeFigureOut">
               <a:rPr lang="ru-RU" smtClean="0"/>
-              <a:t>15.05.2023</a:t>
+              <a:t>19.05.2023</a:t>
             </a:fld>
             <a:endParaRPr lang="ru-RU"/>
           </a:p>
@@ -2328,7 +2328,7 @@
           <a:p>
             <a:fld id="{8720104C-3C9D-4B62-9936-5C987D21D7C9}" type="datetimeFigureOut">
               <a:rPr lang="ru-RU" smtClean="0"/>
-              <a:t>15.05.2023</a:t>
+              <a:t>19.05.2023</a:t>
             </a:fld>
             <a:endParaRPr lang="ru-RU"/>
           </a:p>
@@ -2441,7 +2441,7 @@
           <a:p>
             <a:fld id="{8720104C-3C9D-4B62-9936-5C987D21D7C9}" type="datetimeFigureOut">
               <a:rPr lang="ru-RU" smtClean="0"/>
-              <a:t>15.05.2023</a:t>
+              <a:t>19.05.2023</a:t>
             </a:fld>
             <a:endParaRPr lang="ru-RU"/>
           </a:p>
@@ -2754,7 +2754,7 @@
           <a:p>
             <a:fld id="{8720104C-3C9D-4B62-9936-5C987D21D7C9}" type="datetimeFigureOut">
               <a:rPr lang="ru-RU" smtClean="0"/>
-              <a:t>15.05.2023</a:t>
+              <a:t>19.05.2023</a:t>
             </a:fld>
             <a:endParaRPr lang="ru-RU"/>
           </a:p>
@@ -3047,7 +3047,7 @@
           <a:p>
             <a:fld id="{8720104C-3C9D-4B62-9936-5C987D21D7C9}" type="datetimeFigureOut">
               <a:rPr lang="ru-RU" smtClean="0"/>
-              <a:t>15.05.2023</a:t>
+              <a:t>19.05.2023</a:t>
             </a:fld>
             <a:endParaRPr lang="ru-RU"/>
           </a:p>
@@ -3288,7 +3288,7 @@
           <a:p>
             <a:fld id="{8720104C-3C9D-4B62-9936-5C987D21D7C9}" type="datetimeFigureOut">
               <a:rPr lang="ru-RU" smtClean="0"/>
-              <a:t>15.05.2023</a:t>
+              <a:t>19.05.2023</a:t>
             </a:fld>
             <a:endParaRPr lang="ru-RU"/>
           </a:p>
@@ -3977,8 +3977,10 @@
                 <a:latin typeface="Times New Roman" panose="02020603050405020304" pitchFamily="18" charset="0"/>
                 <a:cs typeface="Times New Roman" panose="02020603050405020304" pitchFamily="18" charset="0"/>
               </a:rPr>
-              <a:t>Выполнил: </a:t>
-            </a:r>
+              <a:t>Выполнил: Насыров Б.И.</a:t>
+            </a:r>
+          </a:p>
+          <a:p>
             <a:r>
               <a:rPr lang="ru-RU" sz="3600" dirty="0" smtClean="0">
                 <a:solidFill>
@@ -3987,36 +3989,7 @@
                 <a:latin typeface="Times New Roman" panose="02020603050405020304" pitchFamily="18" charset="0"/>
                 <a:cs typeface="Times New Roman" panose="02020603050405020304" pitchFamily="18" charset="0"/>
               </a:rPr>
-              <a:t>Насыров Б.И.</a:t>
-            </a:r>
-            <a:endParaRPr lang="ru-RU" sz="3600" dirty="0" smtClean="0">
-              <a:solidFill>
-                <a:schemeClr val="tx1"/>
-              </a:solidFill>
-              <a:latin typeface="Times New Roman" panose="02020603050405020304" pitchFamily="18" charset="0"/>
-              <a:cs typeface="Times New Roman" panose="02020603050405020304" pitchFamily="18" charset="0"/>
-            </a:endParaRPr>
-          </a:p>
-          <a:p>
-            <a:r>
-              <a:rPr lang="ru-RU" sz="3600" dirty="0" smtClean="0">
-                <a:solidFill>
-                  <a:schemeClr val="tx1"/>
-                </a:solidFill>
-                <a:latin typeface="Times New Roman" panose="02020603050405020304" pitchFamily="18" charset="0"/>
-                <a:cs typeface="Times New Roman" panose="02020603050405020304" pitchFamily="18" charset="0"/>
-              </a:rPr>
-              <a:t>Проверила: </a:t>
-            </a:r>
-            <a:r>
-              <a:rPr lang="ru-RU" sz="3600" dirty="0" smtClean="0">
-                <a:solidFill>
-                  <a:schemeClr val="tx1"/>
-                </a:solidFill>
-                <a:latin typeface="Times New Roman" panose="02020603050405020304" pitchFamily="18" charset="0"/>
-                <a:cs typeface="Times New Roman" panose="02020603050405020304" pitchFamily="18" charset="0"/>
-              </a:rPr>
-              <a:t>Сергеева </a:t>
+              <a:t>Проверила: Сергеева </a:t>
             </a:r>
             <a:r>
               <a:rPr lang="ru-RU" sz="3600" dirty="0">
@@ -4036,17 +4009,7 @@
                 <a:latin typeface="Times New Roman" panose="02020603050405020304" pitchFamily="18" charset="0"/>
                 <a:cs typeface="Times New Roman" panose="02020603050405020304" pitchFamily="18" charset="0"/>
               </a:rPr>
-              <a:t>.А</a:t>
-            </a:r>
-            <a:r>
-              <a:rPr lang="ru-RU" sz="3600" dirty="0" smtClean="0">
-                <a:solidFill>
-                  <a:schemeClr val="tx1"/>
-                </a:solidFill>
-                <a:latin typeface="Times New Roman" panose="02020603050405020304" pitchFamily="18" charset="0"/>
-                <a:cs typeface="Times New Roman" panose="02020603050405020304" pitchFamily="18" charset="0"/>
-              </a:rPr>
-              <a:t>.</a:t>
+              <a:t>.А.</a:t>
             </a:r>
             <a:endParaRPr lang="ru-RU" sz="3600" dirty="0">
               <a:solidFill>
@@ -4237,17 +4200,7 @@
                 <a:latin typeface="Times New Roman" panose="02020603050405020304" pitchFamily="18" charset="0"/>
                 <a:cs typeface="Times New Roman" panose="02020603050405020304" pitchFamily="18" charset="0"/>
               </a:rPr>
-              <a:t>СХЕМА </a:t>
-            </a:r>
-            <a:r>
-              <a:rPr lang="ru-RU" sz="2400" dirty="0" smtClean="0">
-                <a:solidFill>
-                  <a:schemeClr val="tx1"/>
-                </a:solidFill>
-                <a:latin typeface="Times New Roman" panose="02020603050405020304" pitchFamily="18" charset="0"/>
-                <a:cs typeface="Times New Roman" panose="02020603050405020304" pitchFamily="18" charset="0"/>
-              </a:rPr>
-              <a:t>ЩИТА </a:t>
+              <a:t>СХЕМА ЩИТА </a:t>
             </a:r>
             <a:r>
               <a:rPr lang="ru-RU" sz="2400" dirty="0">
@@ -4613,101 +4566,6 @@
         </p:nvSpPr>
         <p:spPr>
           <a:xfrm>
-            <a:off x="138546" y="96982"/>
-            <a:ext cx="11346873" cy="1634836"/>
-          </a:xfrm>
-        </p:spPr>
-        <p:txBody>
-          <a:bodyPr>
-            <a:noAutofit/>
-          </a:bodyPr>
-          <a:lstStyle/>
-          <a:p>
-            <a:r>
-              <a:rPr lang="ru-RU" sz="4400" dirty="0">
-                <a:solidFill>
-                  <a:schemeClr val="tx1"/>
-                </a:solidFill>
-                <a:latin typeface="Times New Roman" panose="02020603050405020304" pitchFamily="18" charset="0"/>
-                <a:cs typeface="Times New Roman" panose="02020603050405020304" pitchFamily="18" charset="0"/>
-              </a:rPr>
-              <a:t>АНАЛИЗ УСТОЙЧИВОСТИ СИСТЕМЫ АВТОМАТИЧЕСКОГО РЕГУЛИРОВАНИЯ</a:t>
-            </a:r>
-          </a:p>
-        </p:txBody>
-      </p:sp>
-      <p:pic>
-        <p:nvPicPr>
-          <p:cNvPr id="6" name="Объект 3"/>
-          <p:cNvPicPr>
-            <a:picLocks noChangeAspect="1"/>
-          </p:cNvPicPr>
-          <p:nvPr/>
-        </p:nvPicPr>
-        <p:blipFill>
-          <a:blip r:embed="rId2">
-            <a:extLst>
-              <a:ext uri="{28A0092B-C50C-407E-A947-70E740481C1C}">
-                <a14:useLocalDpi xmlns:a14="http://schemas.microsoft.com/office/drawing/2010/main" val="0"/>
-              </a:ext>
-            </a:extLst>
-          </a:blip>
-          <a:stretch>
-            <a:fillRect/>
-          </a:stretch>
-        </p:blipFill>
-        <p:spPr>
-          <a:xfrm>
-            <a:off x="1284766" y="1731818"/>
-            <a:ext cx="8261015" cy="5086846"/>
-          </a:xfrm>
-          <a:prstGeom prst="rect">
-            <a:avLst/>
-          </a:prstGeom>
-        </p:spPr>
-      </p:pic>
-    </p:spTree>
-    <p:extLst>
-      <p:ext uri="{BB962C8B-B14F-4D97-AF65-F5344CB8AC3E}">
-        <p14:creationId xmlns:p14="http://schemas.microsoft.com/office/powerpoint/2010/main" val="2081975232"/>
-      </p:ext>
-    </p:extLst>
-  </p:cSld>
-  <p:clrMapOvr>
-    <a:masterClrMapping/>
-  </p:clrMapOvr>
-</p:sld>
-</file>
-
-<file path=ppt/slides/slide6.xml><?xml version="1.0" encoding="utf-8"?>
-<p:sld xmlns:a="http://schemas.openxmlformats.org/drawingml/2006/main" xmlns:r="http://schemas.openxmlformats.org/officeDocument/2006/relationships" xmlns:p="http://schemas.openxmlformats.org/presentationml/2006/main">
-  <p:cSld>
-    <p:spTree>
-      <p:nvGrpSpPr>
-        <p:cNvPr id="1" name=""/>
-        <p:cNvGrpSpPr/>
-        <p:nvPr/>
-      </p:nvGrpSpPr>
-      <p:grpSpPr>
-        <a:xfrm>
-          <a:off x="0" y="0"/>
-          <a:ext cx="0" cy="0"/>
-          <a:chOff x="0" y="0"/>
-          <a:chExt cx="0" cy="0"/>
-        </a:xfrm>
-      </p:grpSpPr>
-      <p:sp>
-        <p:nvSpPr>
-          <p:cNvPr id="2" name="Заголовок 1"/>
-          <p:cNvSpPr>
-            <a:spLocks noGrp="1"/>
-          </p:cNvSpPr>
-          <p:nvPr>
-            <p:ph type="title"/>
-          </p:nvPr>
-        </p:nvSpPr>
-        <p:spPr>
-          <a:xfrm>
             <a:off x="1096341" y="304800"/>
             <a:ext cx="10127674" cy="914400"/>
           </a:xfrm>
@@ -4736,17 +4594,7 @@
                 <a:latin typeface="Times New Roman" panose="02020603050405020304" pitchFamily="18" charset="0"/>
                 <a:cs typeface="Times New Roman" panose="02020603050405020304" pitchFamily="18" charset="0"/>
               </a:rPr>
-              <a:t>ЩИТА </a:t>
-            </a:r>
-            <a:r>
-              <a:rPr lang="ru-RU" dirty="0" smtClean="0">
-                <a:solidFill>
-                  <a:schemeClr val="tx1"/>
-                </a:solidFill>
-                <a:latin typeface="Times New Roman" panose="02020603050405020304" pitchFamily="18" charset="0"/>
-                <a:cs typeface="Times New Roman" panose="02020603050405020304" pitchFamily="18" charset="0"/>
-              </a:rPr>
-              <a:t>УПРАВЛЕНИЯ</a:t>
+              <a:t>ЩИТА УПРАВЛЕНИЯ</a:t>
             </a:r>
             <a:endParaRPr lang="ru-RU" dirty="0"/>
           </a:p>
@@ -4808,6 +4656,101 @@
 </p:sld>
 </file>
 
+<file path=ppt/slides/slide6.xml><?xml version="1.0" encoding="utf-8"?>
+<p:sld xmlns:a="http://schemas.openxmlformats.org/drawingml/2006/main" xmlns:r="http://schemas.openxmlformats.org/officeDocument/2006/relationships" xmlns:p="http://schemas.openxmlformats.org/presentationml/2006/main">
+  <p:cSld>
+    <p:spTree>
+      <p:nvGrpSpPr>
+        <p:cNvPr id="1" name=""/>
+        <p:cNvGrpSpPr/>
+        <p:nvPr/>
+      </p:nvGrpSpPr>
+      <p:grpSpPr>
+        <a:xfrm>
+          <a:off x="0" y="0"/>
+          <a:ext cx="0" cy="0"/>
+          <a:chOff x="0" y="0"/>
+          <a:chExt cx="0" cy="0"/>
+        </a:xfrm>
+      </p:grpSpPr>
+      <p:sp>
+        <p:nvSpPr>
+          <p:cNvPr id="2" name="Заголовок 1"/>
+          <p:cNvSpPr>
+            <a:spLocks noGrp="1"/>
+          </p:cNvSpPr>
+          <p:nvPr>
+            <p:ph type="title"/>
+          </p:nvPr>
+        </p:nvSpPr>
+        <p:spPr>
+          <a:xfrm>
+            <a:off x="138546" y="96982"/>
+            <a:ext cx="11346873" cy="1634836"/>
+          </a:xfrm>
+        </p:spPr>
+        <p:txBody>
+          <a:bodyPr>
+            <a:noAutofit/>
+          </a:bodyPr>
+          <a:lstStyle/>
+          <a:p>
+            <a:r>
+              <a:rPr lang="ru-RU" sz="4400" dirty="0">
+                <a:solidFill>
+                  <a:schemeClr val="tx1"/>
+                </a:solidFill>
+                <a:latin typeface="Times New Roman" panose="02020603050405020304" pitchFamily="18" charset="0"/>
+                <a:cs typeface="Times New Roman" panose="02020603050405020304" pitchFamily="18" charset="0"/>
+              </a:rPr>
+              <a:t>АНАЛИЗ УСТОЙЧИВОСТИ СИСТЕМЫ АВТОМАТИЧЕСКОГО РЕГУЛИРОВАНИЯ</a:t>
+            </a:r>
+          </a:p>
+        </p:txBody>
+      </p:sp>
+      <p:pic>
+        <p:nvPicPr>
+          <p:cNvPr id="6" name="Объект 3"/>
+          <p:cNvPicPr>
+            <a:picLocks noChangeAspect="1"/>
+          </p:cNvPicPr>
+          <p:nvPr/>
+        </p:nvPicPr>
+        <p:blipFill>
+          <a:blip r:embed="rId2">
+            <a:extLst>
+              <a:ext uri="{28A0092B-C50C-407E-A947-70E740481C1C}">
+                <a14:useLocalDpi xmlns:a14="http://schemas.microsoft.com/office/drawing/2010/main" val="0"/>
+              </a:ext>
+            </a:extLst>
+          </a:blip>
+          <a:stretch>
+            <a:fillRect/>
+          </a:stretch>
+        </p:blipFill>
+        <p:spPr>
+          <a:xfrm>
+            <a:off x="1284766" y="1731818"/>
+            <a:ext cx="8261015" cy="5086846"/>
+          </a:xfrm>
+          <a:prstGeom prst="rect">
+            <a:avLst/>
+          </a:prstGeom>
+        </p:spPr>
+      </p:pic>
+    </p:spTree>
+    <p:extLst>
+      <p:ext uri="{BB962C8B-B14F-4D97-AF65-F5344CB8AC3E}">
+        <p14:creationId xmlns:p14="http://schemas.microsoft.com/office/powerpoint/2010/main" val="2081975232"/>
+      </p:ext>
+    </p:extLst>
+  </p:cSld>
+  <p:clrMapOvr>
+    <a:masterClrMapping/>
+  </p:clrMapOvr>
+</p:sld>
+</file>
+
 <file path=ppt/slides/slide7.xml><?xml version="1.0" encoding="utf-8"?>
 <p:sld xmlns:a="http://schemas.openxmlformats.org/drawingml/2006/main" xmlns:r="http://schemas.openxmlformats.org/officeDocument/2006/relationships" xmlns:p="http://schemas.openxmlformats.org/presentationml/2006/main">
   <p:cSld>
@@ -4837,7 +4780,7 @@
         </p:nvSpPr>
         <p:spPr>
           <a:xfrm>
-            <a:off x="0" y="457200"/>
+            <a:off x="0" y="789710"/>
             <a:ext cx="12192000" cy="789709"/>
           </a:xfrm>
         </p:spPr>
@@ -4866,17 +4809,7 @@
                 <a:latin typeface="Times New Roman" panose="02020603050405020304" pitchFamily="18" charset="0"/>
                 <a:cs typeface="Times New Roman" panose="02020603050405020304" pitchFamily="18" charset="0"/>
               </a:rPr>
-              <a:t>ТЕХ</a:t>
-            </a:r>
-            <a:r>
-              <a:rPr lang="ru-RU" dirty="0" smtClean="0">
-                <a:solidFill>
-                  <a:schemeClr val="tx1"/>
-                </a:solidFill>
-                <a:latin typeface="Times New Roman" panose="02020603050405020304" pitchFamily="18" charset="0"/>
-                <a:cs typeface="Times New Roman" panose="02020603050405020304" pitchFamily="18" charset="0"/>
-              </a:rPr>
-              <a:t>. ПРОЦЕССА</a:t>
+              <a:t>ТЕХ. ПРОЦЕССА</a:t>
             </a:r>
             <a:endParaRPr lang="ru-RU" dirty="0"/>
           </a:p>
@@ -4907,8 +4840,8 @@
         </p:blipFill>
         <p:spPr bwMode="auto">
           <a:xfrm>
-            <a:off x="2152316" y="1409989"/>
-            <a:ext cx="7887368" cy="4734527"/>
+            <a:off x="5915891" y="1773380"/>
+            <a:ext cx="6021864" cy="3559092"/>
           </a:xfrm>
           <a:prstGeom prst="rect">
             <a:avLst/>
@@ -4925,6 +4858,238 @@
           </a:extLst>
         </p:spPr>
       </p:pic>
+      <p:graphicFrame>
+        <p:nvGraphicFramePr>
+          <p:cNvPr id="3" name="Таблица 2"/>
+          <p:cNvGraphicFramePr>
+            <a:graphicFrameLocks noGrp="1"/>
+          </p:cNvGraphicFramePr>
+          <p:nvPr>
+            <p:extLst>
+              <p:ext uri="{D42A27DB-BD31-4B8C-83A1-F6EECF244321}">
+                <p14:modId xmlns:p14="http://schemas.microsoft.com/office/powerpoint/2010/main" val="1927711433"/>
+              </p:ext>
+            </p:extLst>
+          </p:nvPr>
+        </p:nvGraphicFramePr>
+        <p:xfrm>
+          <a:off x="170595" y="1773380"/>
+          <a:ext cx="5745296" cy="3559092"/>
+        </p:xfrm>
+        <a:graphic>
+          <a:graphicData uri="http://schemas.openxmlformats.org/drawingml/2006/table">
+            <a:tbl>
+              <a:tblPr bandRow="1">
+                <a:tableStyleId>{93296810-A885-4BE3-A3E7-6D5BEEA58F35}</a:tableStyleId>
+              </a:tblPr>
+              <a:tblGrid>
+                <a:gridCol w="4262860">
+                  <a:extLst>
+                    <a:ext uri="{9D8B030D-6E8A-4147-A177-3AD203B41FA5}">
+                      <a16:colId xmlns:a16="http://schemas.microsoft.com/office/drawing/2014/main" val="2320754220"/>
+                    </a:ext>
+                  </a:extLst>
+                </a:gridCol>
+                <a:gridCol w="1482436">
+                  <a:extLst>
+                    <a:ext uri="{9D8B030D-6E8A-4147-A177-3AD203B41FA5}">
+                      <a16:colId xmlns:a16="http://schemas.microsoft.com/office/drawing/2014/main" val="3804442297"/>
+                    </a:ext>
+                  </a:extLst>
+                </a:gridCol>
+              </a:tblGrid>
+              <a:tr h="942110">
+                <a:tc>
+                  <a:txBody>
+                    <a:bodyPr/>
+                    <a:lstStyle/>
+                    <a:p>
+                      <a:r>
+                        <a:rPr lang="ru-RU" sz="2800" dirty="0" smtClean="0">
+                          <a:latin typeface="Times New Roman" panose="02020603050405020304" pitchFamily="18" charset="0"/>
+                          <a:cs typeface="Times New Roman" panose="02020603050405020304" pitchFamily="18" charset="0"/>
+                        </a:rPr>
+                        <a:t>Площадь</a:t>
+                      </a:r>
+                      <a:r>
+                        <a:rPr lang="ru-RU" sz="2800" baseline="0" dirty="0" smtClean="0">
+                          <a:latin typeface="Times New Roman" panose="02020603050405020304" pitchFamily="18" charset="0"/>
+                          <a:cs typeface="Times New Roman" panose="02020603050405020304" pitchFamily="18" charset="0"/>
+                        </a:rPr>
+                        <a:t> помещения</a:t>
+                      </a:r>
+                      <a:endParaRPr lang="ru-RU" sz="2800" dirty="0">
+                        <a:latin typeface="Times New Roman" panose="02020603050405020304" pitchFamily="18" charset="0"/>
+                        <a:cs typeface="Times New Roman" panose="02020603050405020304" pitchFamily="18" charset="0"/>
+                      </a:endParaRPr>
+                    </a:p>
+                  </a:txBody>
+                  <a:tcPr/>
+                </a:tc>
+                <a:tc>
+                  <a:txBody>
+                    <a:bodyPr/>
+                    <a:lstStyle/>
+                    <a:p>
+                      <a:r>
+                        <a:rPr lang="ru-RU" sz="2800" dirty="0" smtClean="0">
+                          <a:latin typeface="Times New Roman" panose="02020603050405020304" pitchFamily="18" charset="0"/>
+                          <a:cs typeface="Times New Roman" panose="02020603050405020304" pitchFamily="18" charset="0"/>
+                        </a:rPr>
+                        <a:t>203 м</a:t>
+                      </a:r>
+                      <a:r>
+                        <a:rPr lang="ru-RU" sz="2800" baseline="30000" dirty="0" smtClean="0">
+                          <a:latin typeface="Times New Roman" panose="02020603050405020304" pitchFamily="18" charset="0"/>
+                          <a:cs typeface="Times New Roman" panose="02020603050405020304" pitchFamily="18" charset="0"/>
+                        </a:rPr>
+                        <a:t>2</a:t>
+                      </a:r>
+                      <a:endParaRPr lang="ru-RU" sz="2800" dirty="0">
+                        <a:latin typeface="Times New Roman" panose="02020603050405020304" pitchFamily="18" charset="0"/>
+                        <a:cs typeface="Times New Roman" panose="02020603050405020304" pitchFamily="18" charset="0"/>
+                      </a:endParaRPr>
+                    </a:p>
+                  </a:txBody>
+                  <a:tcPr/>
+                </a:tc>
+                <a:extLst>
+                  <a:ext uri="{0D108BD9-81ED-4DB2-BD59-A6C34878D82A}">
+                    <a16:rowId xmlns:a16="http://schemas.microsoft.com/office/drawing/2014/main" val="3253526171"/>
+                  </a:ext>
+                </a:extLst>
+              </a:tr>
+              <a:tr h="818662">
+                <a:tc>
+                  <a:txBody>
+                    <a:bodyPr/>
+                    <a:lstStyle/>
+                    <a:p>
+                      <a:r>
+                        <a:rPr lang="ru-RU" sz="2800" dirty="0" smtClean="0">
+                          <a:latin typeface="Times New Roman" panose="02020603050405020304" pitchFamily="18" charset="0"/>
+                          <a:cs typeface="Times New Roman" panose="02020603050405020304" pitchFamily="18" charset="0"/>
+                        </a:rPr>
+                        <a:t>Площадь</a:t>
+                      </a:r>
+                      <a:r>
+                        <a:rPr lang="ru-RU" sz="2800" baseline="0" dirty="0" smtClean="0">
+                          <a:latin typeface="Times New Roman" panose="02020603050405020304" pitchFamily="18" charset="0"/>
+                          <a:cs typeface="Times New Roman" panose="02020603050405020304" pitchFamily="18" charset="0"/>
+                        </a:rPr>
+                        <a:t> окон</a:t>
+                      </a:r>
+                      <a:endParaRPr lang="ru-RU" sz="2800" dirty="0">
+                        <a:latin typeface="Times New Roman" panose="02020603050405020304" pitchFamily="18" charset="0"/>
+                        <a:cs typeface="Times New Roman" panose="02020603050405020304" pitchFamily="18" charset="0"/>
+                      </a:endParaRPr>
+                    </a:p>
+                  </a:txBody>
+                  <a:tcPr/>
+                </a:tc>
+                <a:tc>
+                  <a:txBody>
+                    <a:bodyPr/>
+                    <a:lstStyle/>
+                    <a:p>
+                      <a:r>
+                        <a:rPr lang="ru-RU" sz="2800" dirty="0" smtClean="0">
+                          <a:latin typeface="Times New Roman" panose="02020603050405020304" pitchFamily="18" charset="0"/>
+                          <a:cs typeface="Times New Roman" panose="02020603050405020304" pitchFamily="18" charset="0"/>
+                        </a:rPr>
+                        <a:t>38</a:t>
+                      </a:r>
+                      <a:r>
+                        <a:rPr lang="en-GB" sz="2800" dirty="0" smtClean="0">
+                          <a:latin typeface="Times New Roman" panose="02020603050405020304" pitchFamily="18" charset="0"/>
+                          <a:cs typeface="Times New Roman" panose="02020603050405020304" pitchFamily="18" charset="0"/>
+                        </a:rPr>
+                        <a:t>,57 </a:t>
+                      </a:r>
+                      <a:r>
+                        <a:rPr lang="ru-RU" sz="2800" dirty="0" smtClean="0">
+                          <a:latin typeface="Times New Roman" panose="02020603050405020304" pitchFamily="18" charset="0"/>
+                          <a:cs typeface="Times New Roman" panose="02020603050405020304" pitchFamily="18" charset="0"/>
+                        </a:rPr>
+                        <a:t>м</a:t>
+                      </a:r>
+                      <a:r>
+                        <a:rPr lang="ru-RU" sz="2800" baseline="30000" dirty="0" smtClean="0">
+                          <a:latin typeface="Times New Roman" panose="02020603050405020304" pitchFamily="18" charset="0"/>
+                          <a:cs typeface="Times New Roman" panose="02020603050405020304" pitchFamily="18" charset="0"/>
+                        </a:rPr>
+                        <a:t>2</a:t>
+                      </a:r>
+                      <a:endParaRPr lang="ru-RU" sz="2800" dirty="0">
+                        <a:latin typeface="Times New Roman" panose="02020603050405020304" pitchFamily="18" charset="0"/>
+                        <a:cs typeface="Times New Roman" panose="02020603050405020304" pitchFamily="18" charset="0"/>
+                      </a:endParaRPr>
+                    </a:p>
+                  </a:txBody>
+                  <a:tcPr/>
+                </a:tc>
+                <a:extLst>
+                  <a:ext uri="{0D108BD9-81ED-4DB2-BD59-A6C34878D82A}">
+                    <a16:rowId xmlns:a16="http://schemas.microsoft.com/office/drawing/2014/main" val="1229728191"/>
+                  </a:ext>
+                </a:extLst>
+              </a:tr>
+              <a:tr h="1328794">
+                <a:tc>
+                  <a:txBody>
+                    <a:bodyPr/>
+                    <a:lstStyle/>
+                    <a:p>
+                      <a:r>
+                        <a:rPr lang="ru-RU" sz="2800" kern="1200" dirty="0" smtClean="0">
+                          <a:solidFill>
+                            <a:schemeClr val="dk1"/>
+                          </a:solidFill>
+                          <a:effectLst/>
+                          <a:latin typeface="Times New Roman" panose="02020603050405020304" pitchFamily="18" charset="0"/>
+                          <a:ea typeface="+mn-ea"/>
+                          <a:cs typeface="Times New Roman" panose="02020603050405020304" pitchFamily="18" charset="0"/>
+                        </a:rPr>
+                        <a:t>Нормативный коэффициент естественного освещения (КЕО)</a:t>
+                      </a:r>
+                      <a:endParaRPr lang="ru-RU" sz="2800" dirty="0">
+                        <a:latin typeface="Times New Roman" panose="02020603050405020304" pitchFamily="18" charset="0"/>
+                        <a:cs typeface="Times New Roman" panose="02020603050405020304" pitchFamily="18" charset="0"/>
+                      </a:endParaRPr>
+                    </a:p>
+                  </a:txBody>
+                  <a:tcPr/>
+                </a:tc>
+                <a:tc>
+                  <a:txBody>
+                    <a:bodyPr/>
+                    <a:lstStyle/>
+                    <a:p>
+                      <a:r>
+                        <a:rPr lang="ru-RU" sz="2800" dirty="0" smtClean="0">
+                          <a:latin typeface="Times New Roman" panose="02020603050405020304" pitchFamily="18" charset="0"/>
+                          <a:cs typeface="Times New Roman" panose="02020603050405020304" pitchFamily="18" charset="0"/>
+                        </a:rPr>
+                        <a:t>1,5 </a:t>
+                      </a:r>
+                      <a:endParaRPr lang="ru-RU" sz="2800" dirty="0">
+                        <a:latin typeface="Times New Roman" panose="02020603050405020304" pitchFamily="18" charset="0"/>
+                        <a:cs typeface="Times New Roman" panose="02020603050405020304" pitchFamily="18" charset="0"/>
+                      </a:endParaRPr>
+                    </a:p>
+                  </a:txBody>
+                  <a:tcPr/>
+                </a:tc>
+                <a:extLst>
+                  <a:ext uri="{0D108BD9-81ED-4DB2-BD59-A6C34878D82A}">
+                    <a16:rowId xmlns:a16="http://schemas.microsoft.com/office/drawing/2014/main" val="4220177715"/>
+                  </a:ext>
+                </a:extLst>
+              </a:tr>
+            </a:tbl>
+          </a:graphicData>
+        </a:graphic>
+      </p:graphicFrame>
     </p:spTree>
     <p:extLst>
       <p:ext uri="{BB962C8B-B14F-4D97-AF65-F5344CB8AC3E}">
@@ -4967,7 +5132,7 @@
         </p:nvSpPr>
         <p:spPr>
           <a:xfrm>
-            <a:off x="383428" y="526474"/>
+            <a:off x="729792" y="540329"/>
             <a:ext cx="11014364" cy="817418"/>
           </a:xfrm>
         </p:spPr>
@@ -5023,8 +5188,8 @@
         </p:blipFill>
         <p:spPr bwMode="auto">
           <a:xfrm>
-            <a:off x="1226514" y="1537856"/>
-            <a:ext cx="9328192" cy="5043054"/>
+            <a:off x="383429" y="1524001"/>
+            <a:ext cx="4839736" cy="4060478"/>
           </a:xfrm>
           <a:prstGeom prst="rect">
             <a:avLst/>
@@ -5041,6 +5206,277 @@
           </a:extLst>
         </p:spPr>
       </p:pic>
+      <p:graphicFrame>
+        <p:nvGraphicFramePr>
+          <p:cNvPr id="3" name="Таблица 2"/>
+          <p:cNvGraphicFramePr>
+            <a:graphicFrameLocks noGrp="1"/>
+          </p:cNvGraphicFramePr>
+          <p:nvPr>
+            <p:extLst>
+              <p:ext uri="{D42A27DB-BD31-4B8C-83A1-F6EECF244321}">
+                <p14:modId xmlns:p14="http://schemas.microsoft.com/office/powerpoint/2010/main" val="480034771"/>
+              </p:ext>
+            </p:extLst>
+          </p:nvPr>
+        </p:nvGraphicFramePr>
+        <p:xfrm>
+          <a:off x="5223165" y="1524001"/>
+          <a:ext cx="6664036" cy="4060478"/>
+        </p:xfrm>
+        <a:graphic>
+          <a:graphicData uri="http://schemas.openxmlformats.org/drawingml/2006/table">
+            <a:tbl>
+              <a:tblPr bandRow="1">
+                <a:tableStyleId>{5C22544A-7EE6-4342-B048-85BDC9FD1C3A}</a:tableStyleId>
+              </a:tblPr>
+              <a:tblGrid>
+                <a:gridCol w="3491344">
+                  <a:extLst>
+                    <a:ext uri="{9D8B030D-6E8A-4147-A177-3AD203B41FA5}">
+                      <a16:colId xmlns:a16="http://schemas.microsoft.com/office/drawing/2014/main" val="2647994967"/>
+                    </a:ext>
+                  </a:extLst>
+                </a:gridCol>
+                <a:gridCol w="3172692">
+                  <a:extLst>
+                    <a:ext uri="{9D8B030D-6E8A-4147-A177-3AD203B41FA5}">
+                      <a16:colId xmlns:a16="http://schemas.microsoft.com/office/drawing/2014/main" val="3687486108"/>
+                    </a:ext>
+                  </a:extLst>
+                </a:gridCol>
+              </a:tblGrid>
+              <a:tr h="665017">
+                <a:tc>
+                  <a:txBody>
+                    <a:bodyPr/>
+                    <a:lstStyle/>
+                    <a:p>
+                      <a:r>
+                        <a:rPr lang="ru-RU" sz="2800" dirty="0" smtClean="0">
+                          <a:latin typeface="Times New Roman" panose="02020603050405020304" pitchFamily="18" charset="0"/>
+                          <a:cs typeface="Times New Roman" panose="02020603050405020304" pitchFamily="18" charset="0"/>
+                        </a:rPr>
+                        <a:t>Товарная</a:t>
+                      </a:r>
+                      <a:r>
+                        <a:rPr lang="ru-RU" sz="2800" baseline="0" dirty="0" smtClean="0">
+                          <a:latin typeface="Times New Roman" panose="02020603050405020304" pitchFamily="18" charset="0"/>
+                          <a:cs typeface="Times New Roman" panose="02020603050405020304" pitchFamily="18" charset="0"/>
+                        </a:rPr>
+                        <a:t> продукция</a:t>
+                      </a:r>
+                      <a:endParaRPr lang="ru-RU" sz="2800" dirty="0">
+                        <a:latin typeface="Times New Roman" panose="02020603050405020304" pitchFamily="18" charset="0"/>
+                        <a:cs typeface="Times New Roman" panose="02020603050405020304" pitchFamily="18" charset="0"/>
+                      </a:endParaRPr>
+                    </a:p>
+                  </a:txBody>
+                  <a:tcPr/>
+                </a:tc>
+                <a:tc>
+                  <a:txBody>
+                    <a:bodyPr/>
+                    <a:lstStyle/>
+                    <a:p>
+                      <a:r>
+                        <a:rPr lang="ru-RU" sz="2800" dirty="0" smtClean="0">
+                          <a:latin typeface="Times New Roman" panose="02020603050405020304" pitchFamily="18" charset="0"/>
+                          <a:cs typeface="Times New Roman" panose="02020603050405020304" pitchFamily="18" charset="0"/>
+                        </a:rPr>
+                        <a:t>1240411,5 тыс. руб.</a:t>
+                      </a:r>
+                      <a:endParaRPr lang="ru-RU" sz="2800" dirty="0">
+                        <a:latin typeface="Times New Roman" panose="02020603050405020304" pitchFamily="18" charset="0"/>
+                        <a:cs typeface="Times New Roman" panose="02020603050405020304" pitchFamily="18" charset="0"/>
+                      </a:endParaRPr>
+                    </a:p>
+                  </a:txBody>
+                  <a:tcPr/>
+                </a:tc>
+                <a:extLst>
+                  <a:ext uri="{0D108BD9-81ED-4DB2-BD59-A6C34878D82A}">
+                    <a16:rowId xmlns:a16="http://schemas.microsoft.com/office/drawing/2014/main" val="2376638155"/>
+                  </a:ext>
+                </a:extLst>
+              </a:tr>
+              <a:tr h="872350">
+                <a:tc>
+                  <a:txBody>
+                    <a:bodyPr/>
+                    <a:lstStyle/>
+                    <a:p>
+                      <a:r>
+                        <a:rPr lang="ru-RU" sz="2800" kern="1200" dirty="0" smtClean="0">
+                          <a:solidFill>
+                            <a:schemeClr val="dk1"/>
+                          </a:solidFill>
+                          <a:effectLst/>
+                          <a:latin typeface="Times New Roman" panose="02020603050405020304" pitchFamily="18" charset="0"/>
+                          <a:ea typeface="+mn-ea"/>
+                          <a:cs typeface="Times New Roman" panose="02020603050405020304" pitchFamily="18" charset="0"/>
+                        </a:rPr>
+                        <a:t>Реализованная продукция </a:t>
+                      </a:r>
+                      <a:endParaRPr lang="ru-RU" sz="2800" dirty="0">
+                        <a:latin typeface="Times New Roman" panose="02020603050405020304" pitchFamily="18" charset="0"/>
+                        <a:cs typeface="Times New Roman" panose="02020603050405020304" pitchFamily="18" charset="0"/>
+                      </a:endParaRPr>
+                    </a:p>
+                  </a:txBody>
+                  <a:tcPr/>
+                </a:tc>
+                <a:tc>
+                  <a:txBody>
+                    <a:bodyPr/>
+                    <a:lstStyle/>
+                    <a:p>
+                      <a:r>
+                        <a:rPr lang="ru-RU" sz="2800" kern="1200" dirty="0" smtClean="0">
+                          <a:solidFill>
+                            <a:schemeClr val="dk1"/>
+                          </a:solidFill>
+                          <a:effectLst/>
+                          <a:latin typeface="Times New Roman" panose="02020603050405020304" pitchFamily="18" charset="0"/>
+                          <a:ea typeface="+mn-ea"/>
+                          <a:cs typeface="Times New Roman" panose="02020603050405020304" pitchFamily="18" charset="0"/>
+                        </a:rPr>
+                        <a:t>1267356,4</a:t>
+                      </a:r>
+                      <a:r>
+                        <a:rPr lang="ru-RU" sz="2800" kern="1200" baseline="0" dirty="0" smtClean="0">
+                          <a:solidFill>
+                            <a:schemeClr val="dk1"/>
+                          </a:solidFill>
+                          <a:effectLst/>
+                          <a:latin typeface="Times New Roman" panose="02020603050405020304" pitchFamily="18" charset="0"/>
+                          <a:ea typeface="+mn-ea"/>
+                          <a:cs typeface="Times New Roman" panose="02020603050405020304" pitchFamily="18" charset="0"/>
+                        </a:rPr>
+                        <a:t> тыс. руб.</a:t>
+                      </a:r>
+                      <a:endParaRPr lang="ru-RU" sz="2800" dirty="0">
+                        <a:latin typeface="Times New Roman" panose="02020603050405020304" pitchFamily="18" charset="0"/>
+                        <a:cs typeface="Times New Roman" panose="02020603050405020304" pitchFamily="18" charset="0"/>
+                      </a:endParaRPr>
+                    </a:p>
+                  </a:txBody>
+                  <a:tcPr/>
+                </a:tc>
+                <a:extLst>
+                  <a:ext uri="{0D108BD9-81ED-4DB2-BD59-A6C34878D82A}">
+                    <a16:rowId xmlns:a16="http://schemas.microsoft.com/office/drawing/2014/main" val="572810345"/>
+                  </a:ext>
+                </a:extLst>
+              </a:tr>
+              <a:tr h="939338">
+                <a:tc>
+                  <a:txBody>
+                    <a:bodyPr/>
+                    <a:lstStyle/>
+                    <a:p>
+                      <a:r>
+                        <a:rPr lang="ru-RU" sz="2800" kern="1200" dirty="0" smtClean="0">
+                          <a:solidFill>
+                            <a:schemeClr val="dk1"/>
+                          </a:solidFill>
+                          <a:effectLst/>
+                          <a:latin typeface="Times New Roman" panose="02020603050405020304" pitchFamily="18" charset="0"/>
+                          <a:ea typeface="+mn-ea"/>
+                          <a:cs typeface="Times New Roman" panose="02020603050405020304" pitchFamily="18" charset="0"/>
+                        </a:rPr>
+                        <a:t>Эффективность работы предприятия</a:t>
+                      </a:r>
+                      <a:endParaRPr lang="ru-RU" sz="2800" dirty="0">
+                        <a:latin typeface="Times New Roman" panose="02020603050405020304" pitchFamily="18" charset="0"/>
+                        <a:cs typeface="Times New Roman" panose="02020603050405020304" pitchFamily="18" charset="0"/>
+                      </a:endParaRPr>
+                    </a:p>
+                  </a:txBody>
+                  <a:tcPr/>
+                </a:tc>
+                <a:tc>
+                  <a:txBody>
+                    <a:bodyPr/>
+                    <a:lstStyle/>
+                    <a:p>
+                      <a:r>
+                        <a:rPr lang="ru-RU" sz="2800" dirty="0" smtClean="0">
+                          <a:latin typeface="Times New Roman" panose="02020603050405020304" pitchFamily="18" charset="0"/>
+                          <a:cs typeface="Times New Roman" panose="02020603050405020304" pitchFamily="18" charset="0"/>
+                        </a:rPr>
+                        <a:t>53,01</a:t>
+                      </a:r>
+                      <a:endParaRPr lang="ru-RU" sz="2800" dirty="0">
+                        <a:latin typeface="Times New Roman" panose="02020603050405020304" pitchFamily="18" charset="0"/>
+                        <a:cs typeface="Times New Roman" panose="02020603050405020304" pitchFamily="18" charset="0"/>
+                      </a:endParaRPr>
+                    </a:p>
+                  </a:txBody>
+                  <a:tcPr/>
+                </a:tc>
+                <a:extLst>
+                  <a:ext uri="{0D108BD9-81ED-4DB2-BD59-A6C34878D82A}">
+                    <a16:rowId xmlns:a16="http://schemas.microsoft.com/office/drawing/2014/main" val="3632886959"/>
+                  </a:ext>
+                </a:extLst>
+              </a:tr>
+              <a:tr h="1505701">
+                <a:tc>
+                  <a:txBody>
+                    <a:bodyPr/>
+                    <a:lstStyle/>
+                    <a:p>
+                      <a:r>
+                        <a:rPr lang="ru-RU" sz="2800" kern="1200" dirty="0" smtClean="0">
+                          <a:solidFill>
+                            <a:schemeClr val="dk1"/>
+                          </a:solidFill>
+                          <a:effectLst/>
+                          <a:latin typeface="Times New Roman" panose="02020603050405020304" pitchFamily="18" charset="0"/>
+                          <a:ea typeface="+mn-ea"/>
+                          <a:cs typeface="Times New Roman" panose="02020603050405020304" pitchFamily="18" charset="0"/>
+                        </a:rPr>
+                        <a:t>Эффективность использования оборотных средств </a:t>
+                      </a:r>
+                      <a:endParaRPr lang="ru-RU" sz="2800" dirty="0">
+                        <a:latin typeface="Times New Roman" panose="02020603050405020304" pitchFamily="18" charset="0"/>
+                        <a:cs typeface="Times New Roman" panose="02020603050405020304" pitchFamily="18" charset="0"/>
+                      </a:endParaRPr>
+                    </a:p>
+                  </a:txBody>
+                  <a:tcPr/>
+                </a:tc>
+                <a:tc>
+                  <a:txBody>
+                    <a:bodyPr/>
+                    <a:lstStyle/>
+                    <a:p>
+                      <a:r>
+                        <a:rPr lang="ru-RU" sz="2800" dirty="0" smtClean="0">
+                          <a:latin typeface="Times New Roman" panose="02020603050405020304" pitchFamily="18" charset="0"/>
+                          <a:cs typeface="Times New Roman" panose="02020603050405020304" pitchFamily="18" charset="0"/>
+                        </a:rPr>
+                        <a:t>0,029</a:t>
+                      </a:r>
+                      <a:endParaRPr lang="ru-RU" sz="2800" dirty="0">
+                        <a:latin typeface="Times New Roman" panose="02020603050405020304" pitchFamily="18" charset="0"/>
+                        <a:cs typeface="Times New Roman" panose="02020603050405020304" pitchFamily="18" charset="0"/>
+                      </a:endParaRPr>
+                    </a:p>
+                  </a:txBody>
+                  <a:tcPr/>
+                </a:tc>
+                <a:extLst>
+                  <a:ext uri="{0D108BD9-81ED-4DB2-BD59-A6C34878D82A}">
+                    <a16:rowId xmlns:a16="http://schemas.microsoft.com/office/drawing/2014/main" val="2768848916"/>
+                  </a:ext>
+                </a:extLst>
+              </a:tr>
+            </a:tbl>
+          </a:graphicData>
+        </a:graphic>
+      </p:graphicFrame>
     </p:spTree>
     <p:extLst>
       <p:ext uri="{BB962C8B-B14F-4D97-AF65-F5344CB8AC3E}">
